--- a/CgResume.pptx
+++ b/CgResume.pptx
@@ -4051,7 +4051,7 @@
             <a:pPr marL="171450" indent="-171450"/>
             <a:r>
               <a:rPr lang="en-US" altLang="nl-NL" dirty="0"/>
-              <a:t>	 https://github.com/jadhAV2808/Aricultural-crop-managemet-system.git</a:t>
+              <a:t>	 https://https://github.com/Avinashjodmote0011/CropCaseStudy.git</a:t>
             </a:r>
           </a:p>
         </p:txBody>
@@ -4667,7 +4667,7 @@
         </p:blipFill>
         <p:spPr bwMode="auto">
           <a:xfrm>
-            <a:off x="360000" y="5621808"/>
+            <a:off x="360000" y="5661248"/>
             <a:ext cx="471487" cy="471488"/>
           </a:xfrm>
           <a:prstGeom prst="rect">
@@ -5935,21 +5935,6 @@
 </file>
 
 <file path=customXml/item1.xml><?xml version="1.0" encoding="utf-8"?>
-<?mso-contentType ?>
-<FormTemplates xmlns="http://schemas.microsoft.com/sharepoint/v3/contenttype/forms">
-  <Display>DocumentLibraryForm</Display>
-  <Edit>DocumentLibraryForm</Edit>
-  <New>DocumentLibraryForm</New>
-</FormTemplates>
-</file>
-
-<file path=customXml/item2.xml><?xml version="1.0" encoding="utf-8"?>
-<p:properties xmlns:p="http://schemas.microsoft.com/office/2006/metadata/properties" xmlns:xsi="http://www.w3.org/2001/XMLSchema-instance" xmlns:pc="http://schemas.microsoft.com/office/infopath/2007/PartnerControls">
-  <documentManagement/>
-</p:properties>
-</file>
-
-<file path=customXml/item3.xml><?xml version="1.0" encoding="utf-8"?>
 <ct:contentTypeSchema xmlns:ct="http://schemas.microsoft.com/office/2006/metadata/contentType" xmlns:ma="http://schemas.microsoft.com/office/2006/metadata/properties/metaAttributes" ct:_="" ma:_="" ma:contentTypeName="Document" ma:contentTypeID="0x01010009A4D4B7F116194382285AFEDCAAE875" ma:contentTypeVersion="9" ma:contentTypeDescription="Create a new document." ma:contentTypeScope="" ma:versionID="cea22f254f22555732852ff543e09289">
   <xsd:schema xmlns:xsd="http://www.w3.org/2001/XMLSchema" xmlns:xs="http://www.w3.org/2001/XMLSchema" xmlns:p="http://schemas.microsoft.com/office/2006/metadata/properties" xmlns:ns3="30fc3539-65ca-4b0a-bf64-0f80dcc9b3d7" xmlns:ns4="948d0754-91ea-4977-aaa6-8f7c4c69d380" targetNamespace="http://schemas.microsoft.com/office/2006/metadata/properties" ma:root="true" ma:fieldsID="dece046e211da4630bf8f3ed03c1cef4" ns3:_="" ns4:_="">
     <xsd:import namespace="30fc3539-65ca-4b0a-bf64-0f80dcc9b3d7"/>
@@ -6146,10 +6131,36 @@
 </ct:contentTypeSchema>
 </file>
 
+<file path=customXml/item2.xml><?xml version="1.0" encoding="utf-8"?>
+<p:properties xmlns:p="http://schemas.microsoft.com/office/2006/metadata/properties" xmlns:xsi="http://www.w3.org/2001/XMLSchema-instance" xmlns:pc="http://schemas.microsoft.com/office/infopath/2007/PartnerControls">
+  <documentManagement/>
+</p:properties>
+</file>
+
+<file path=customXml/item3.xml><?xml version="1.0" encoding="utf-8"?>
+<?mso-contentType ?>
+<FormTemplates xmlns="http://schemas.microsoft.com/sharepoint/v3/contenttype/forms">
+  <Display>DocumentLibraryForm</Display>
+  <Edit>DocumentLibraryForm</Edit>
+  <New>DocumentLibraryForm</New>
+</FormTemplates>
+</file>
+
 <file path=customXml/itemProps1.xml><?xml version="1.0" encoding="utf-8"?>
-<ds:datastoreItem xmlns:ds="http://schemas.openxmlformats.org/officeDocument/2006/customXml" ds:itemID="{86B5E10D-1A37-4C30-B41B-C15D05619982}">
+<ds:datastoreItem xmlns:ds="http://schemas.openxmlformats.org/officeDocument/2006/customXml" ds:itemID="{1804F9F9-B9BC-45A7-895F-50C2F214257F}">
   <ds:schemaRefs>
-    <ds:schemaRef ds:uri="http://schemas.microsoft.com/sharepoint/v3/contenttype/forms"/>
+    <ds:schemaRef ds:uri="http://schemas.microsoft.com/office/2006/metadata/contentType"/>
+    <ds:schemaRef ds:uri="http://schemas.microsoft.com/office/2006/metadata/properties/metaAttributes"/>
+    <ds:schemaRef ds:uri="http://www.w3.org/2001/XMLSchema"/>
+    <ds:schemaRef ds:uri="http://schemas.microsoft.com/office/2006/metadata/properties"/>
+    <ds:schemaRef ds:uri="30fc3539-65ca-4b0a-bf64-0f80dcc9b3d7"/>
+    <ds:schemaRef ds:uri="948d0754-91ea-4977-aaa6-8f7c4c69d380"/>
+    <ds:schemaRef ds:uri="http://schemas.microsoft.com/office/2006/documentManagement/types"/>
+    <ds:schemaRef ds:uri="http://schemas.microsoft.com/office/infopath/2007/PartnerControls"/>
+    <ds:schemaRef ds:uri="http://schemas.openxmlformats.org/package/2006/metadata/core-properties"/>
+    <ds:schemaRef ds:uri="http://purl.org/dc/elements/1.1/"/>
+    <ds:schemaRef ds:uri="http://purl.org/dc/terms/"/>
+    <ds:schemaRef ds:uri="http://schemas.microsoft.com/internal/obd"/>
   </ds:schemaRefs>
 </ds:datastoreItem>
 </file>
@@ -6172,20 +6183,9 @@
 </file>
 
 <file path=customXml/itemProps3.xml><?xml version="1.0" encoding="utf-8"?>
-<ds:datastoreItem xmlns:ds="http://schemas.openxmlformats.org/officeDocument/2006/customXml" ds:itemID="{1804F9F9-B9BC-45A7-895F-50C2F214257F}">
+<ds:datastoreItem xmlns:ds="http://schemas.openxmlformats.org/officeDocument/2006/customXml" ds:itemID="{86B5E10D-1A37-4C30-B41B-C15D05619982}">
   <ds:schemaRefs>
-    <ds:schemaRef ds:uri="http://schemas.microsoft.com/office/2006/metadata/contentType"/>
-    <ds:schemaRef ds:uri="http://schemas.microsoft.com/office/2006/metadata/properties/metaAttributes"/>
-    <ds:schemaRef ds:uri="http://www.w3.org/2001/XMLSchema"/>
-    <ds:schemaRef ds:uri="http://schemas.microsoft.com/office/2006/metadata/properties"/>
-    <ds:schemaRef ds:uri="30fc3539-65ca-4b0a-bf64-0f80dcc9b3d7"/>
-    <ds:schemaRef ds:uri="948d0754-91ea-4977-aaa6-8f7c4c69d380"/>
-    <ds:schemaRef ds:uri="http://schemas.microsoft.com/office/2006/documentManagement/types"/>
-    <ds:schemaRef ds:uri="http://schemas.microsoft.com/office/infopath/2007/PartnerControls"/>
-    <ds:schemaRef ds:uri="http://schemas.openxmlformats.org/package/2006/metadata/core-properties"/>
-    <ds:schemaRef ds:uri="http://purl.org/dc/elements/1.1/"/>
-    <ds:schemaRef ds:uri="http://purl.org/dc/terms/"/>
-    <ds:schemaRef ds:uri="http://schemas.microsoft.com/internal/obd"/>
+    <ds:schemaRef ds:uri="http://schemas.microsoft.com/sharepoint/v3/contenttype/forms"/>
   </ds:schemaRefs>
 </ds:datastoreItem>
 </file>